--- a/Documents/Meeting Updates/MarchingMasters-1110.pptx
+++ b/Documents/Meeting Updates/MarchingMasters-1110.pptx
@@ -3977,7 +3977,7 @@
           <a:lstStyle/>
           <a:p>
             <a:pPr algn="ctr"/>
-            <a:endParaRPr lang="en-US"/>
+            <a:endParaRPr lang="en-US" dirty="0"/>
           </a:p>
         </p:txBody>
       </p:sp>
@@ -4004,7 +4004,7 @@
           <a:p>
             <a:r>
               <a:rPr lang="en-US" dirty="0"/>
-              <a:t>None</a:t>
+              <a:t>P.O.C. deliverable date pushed back to allow for acquiring of technologies needed for full development.</a:t>
             </a:r>
           </a:p>
         </p:txBody>

--- a/Documents/Meeting Updates/MarchingMasters-1110.pptx
+++ b/Documents/Meeting Updates/MarchingMasters-1110.pptx
@@ -310,7 +310,7 @@
           <a:p>
             <a:fld id="{76A6DF96-24C9-6049-963C-8A018557765F}" type="datetimeFigureOut">
               <a:rPr lang="en-US" smtClean="0"/>
-              <a:t>11/8/2020</a:t>
+              <a:t>11/10/20</a:t>
             </a:fld>
             <a:endParaRPr lang="en-US"/>
           </a:p>
@@ -508,7 +508,7 @@
           <a:p>
             <a:fld id="{76A6DF96-24C9-6049-963C-8A018557765F}" type="datetimeFigureOut">
               <a:rPr lang="en-US" smtClean="0"/>
-              <a:t>11/8/2020</a:t>
+              <a:t>11/10/20</a:t>
             </a:fld>
             <a:endParaRPr lang="en-US"/>
           </a:p>
@@ -716,7 +716,7 @@
           <a:p>
             <a:fld id="{76A6DF96-24C9-6049-963C-8A018557765F}" type="datetimeFigureOut">
               <a:rPr lang="en-US" smtClean="0"/>
-              <a:t>11/8/2020</a:t>
+              <a:t>11/10/20</a:t>
             </a:fld>
             <a:endParaRPr lang="en-US"/>
           </a:p>
@@ -914,7 +914,7 @@
           <a:p>
             <a:fld id="{76A6DF96-24C9-6049-963C-8A018557765F}" type="datetimeFigureOut">
               <a:rPr lang="en-US" smtClean="0"/>
-              <a:t>11/8/2020</a:t>
+              <a:t>11/10/20</a:t>
             </a:fld>
             <a:endParaRPr lang="en-US"/>
           </a:p>
@@ -1189,7 +1189,7 @@
           <a:p>
             <a:fld id="{76A6DF96-24C9-6049-963C-8A018557765F}" type="datetimeFigureOut">
               <a:rPr lang="en-US" smtClean="0"/>
-              <a:t>11/8/2020</a:t>
+              <a:t>11/10/20</a:t>
             </a:fld>
             <a:endParaRPr lang="en-US"/>
           </a:p>
@@ -1454,7 +1454,7 @@
           <a:p>
             <a:fld id="{76A6DF96-24C9-6049-963C-8A018557765F}" type="datetimeFigureOut">
               <a:rPr lang="en-US" smtClean="0"/>
-              <a:t>11/8/2020</a:t>
+              <a:t>11/10/20</a:t>
             </a:fld>
             <a:endParaRPr lang="en-US"/>
           </a:p>
@@ -1866,7 +1866,7 @@
           <a:p>
             <a:fld id="{76A6DF96-24C9-6049-963C-8A018557765F}" type="datetimeFigureOut">
               <a:rPr lang="en-US" smtClean="0"/>
-              <a:t>11/8/2020</a:t>
+              <a:t>11/10/20</a:t>
             </a:fld>
             <a:endParaRPr lang="en-US"/>
           </a:p>
@@ -2007,7 +2007,7 @@
           <a:p>
             <a:fld id="{76A6DF96-24C9-6049-963C-8A018557765F}" type="datetimeFigureOut">
               <a:rPr lang="en-US" smtClean="0"/>
-              <a:t>11/8/2020</a:t>
+              <a:t>11/10/20</a:t>
             </a:fld>
             <a:endParaRPr lang="en-US"/>
           </a:p>
@@ -2120,7 +2120,7 @@
           <a:p>
             <a:fld id="{76A6DF96-24C9-6049-963C-8A018557765F}" type="datetimeFigureOut">
               <a:rPr lang="en-US" smtClean="0"/>
-              <a:t>11/8/2020</a:t>
+              <a:t>11/10/20</a:t>
             </a:fld>
             <a:endParaRPr lang="en-US"/>
           </a:p>
@@ -2431,7 +2431,7 @@
           <a:p>
             <a:fld id="{76A6DF96-24C9-6049-963C-8A018557765F}" type="datetimeFigureOut">
               <a:rPr lang="en-US" smtClean="0"/>
-              <a:t>11/8/2020</a:t>
+              <a:t>11/10/20</a:t>
             </a:fld>
             <a:endParaRPr lang="en-US"/>
           </a:p>
@@ -2719,7 +2719,7 @@
           <a:p>
             <a:fld id="{76A6DF96-24C9-6049-963C-8A018557765F}" type="datetimeFigureOut">
               <a:rPr lang="en-US" smtClean="0"/>
-              <a:t>11/8/2020</a:t>
+              <a:t>11/10/20</a:t>
             </a:fld>
             <a:endParaRPr lang="en-US"/>
           </a:p>
@@ -2960,7 +2960,7 @@
           <a:p>
             <a:fld id="{76A6DF96-24C9-6049-963C-8A018557765F}" type="datetimeFigureOut">
               <a:rPr lang="en-US" smtClean="0"/>
-              <a:t>11/8/2020</a:t>
+              <a:t>11/10/20</a:t>
             </a:fld>
             <a:endParaRPr lang="en-US"/>
           </a:p>
@@ -3868,6 +3868,7 @@
               <a:rPr lang="en-US" sz="2000" dirty="0"/>
               <a:t>Continued development of POC.</a:t>
             </a:r>
+            <a:endParaRPr lang="en-US" dirty="0"/>
           </a:p>
         </p:txBody>
       </p:sp>
@@ -4004,7 +4005,7 @@
           <a:p>
             <a:r>
               <a:rPr lang="en-US" dirty="0"/>
-              <a:t>P.O.C. deliverable date pushed back to allow for acquiring of technologies needed for full development.</a:t>
+              <a:t>P.O.C. deliverable date pushed back to allow for acquiring technologies needed for further development.</a:t>
             </a:r>
           </a:p>
         </p:txBody>
@@ -4395,7 +4396,7 @@
             <a:pPr lvl="1"/>
             <a:r>
               <a:rPr lang="en-US" sz="2000" dirty="0"/>
-              <a:t>Goal: Continue development of POC.</a:t>
+              <a:t>Goal: Continue development of POC (IMU based).</a:t>
             </a:r>
           </a:p>
           <a:p>
